--- a/어려운게임 게임 기획서.pptx
+++ b/어려운게임 게임 기획서.pptx
@@ -6987,6 +6987,16 @@
             <a:endParaRPr lang="en-US" altLang="ko-KR" dirty="0"/>
           </a:p>
           <a:p>
+            <a:r>
+              <a:rPr lang="ko-KR" altLang="en-US" dirty="0"/>
+              <a:t>콘솔 게임 시장 규모</a:t>
+            </a:r>
+            <a:endParaRPr lang="en-US" altLang="ko-KR" dirty="0"/>
+          </a:p>
+          <a:p>
+            <a:endParaRPr lang="en-US" altLang="ko-KR" dirty="0"/>
+          </a:p>
+          <a:p>
             <a:endParaRPr lang="ko-KR" altLang="en-US" dirty="0"/>
           </a:p>
         </p:txBody>

--- a/어려운게임 게임 기획서.pptx
+++ b/어려운게임 게임 기획서.pptx
@@ -25,6 +25,7 @@
     <p:sldId id="275" r:id="rId19"/>
     <p:sldId id="277" r:id="rId20"/>
     <p:sldId id="278" r:id="rId21"/>
+    <p:sldId id="279" r:id="rId22"/>
   </p:sldIdLst>
   <p:sldSz cx="12192000" cy="6858000"/>
   <p:notesSz cx="6858000" cy="9144000"/>
@@ -6308,10 +6309,6 @@
             </a:lvl1pPr>
           </a:lstStyle>
           <a:p>
-            <a:r>
-              <a:rPr lang="ko-KR" altLang="en-US" sz="1800" dirty="0"/>
-              <a:t>보기</a:t>
-            </a:r>
             <a:endParaRPr lang="en-US" altLang="ko-KR" sz="2000" dirty="0"/>
           </a:p>
           <a:p>
@@ -6319,42 +6316,103 @@
           </a:p>
         </p:txBody>
       </p:sp>
-      <p:pic>
-        <p:nvPicPr>
-          <p:cNvPr id="5" name="그림 4">
-            <a:extLst>
-              <a:ext uri="{FF2B5EF4-FFF2-40B4-BE49-F238E27FC236}">
-                <a16:creationId xmlns:a16="http://schemas.microsoft.com/office/drawing/2014/main" id="{B6EF71CD-C4BB-4EB8-A997-2EAA31C414E0}"/>
-              </a:ext>
-            </a:extLst>
-          </p:cNvPr>
-          <p:cNvPicPr>
-            <a:picLocks noChangeAspect="1"/>
-          </p:cNvPicPr>
-          <p:nvPr/>
-        </p:nvPicPr>
-        <p:blipFill>
-          <a:blip r:embed="rId2"/>
-          <a:stretch>
-            <a:fillRect/>
-          </a:stretch>
-        </p:blipFill>
+    </p:spTree>
+    <p:extLst>
+      <p:ext uri="{BB962C8B-B14F-4D97-AF65-F5344CB8AC3E}">
+        <p14:creationId xmlns:p14="http://schemas.microsoft.com/office/powerpoint/2010/main" val="1656372192"/>
+      </p:ext>
+    </p:extLst>
+  </p:cSld>
+  <p:clrMapOvr>
+    <a:masterClrMapping/>
+  </p:clrMapOvr>
+</p:sld>
+</file>
+
+<file path=ppt/slides/slide21.xml><?xml version="1.0" encoding="utf-8"?>
+<p:sld xmlns:a="http://schemas.openxmlformats.org/drawingml/2006/main" xmlns:r="http://schemas.openxmlformats.org/officeDocument/2006/relationships" xmlns:p="http://schemas.openxmlformats.org/presentationml/2006/main">
+  <p:cSld>
+    <p:spTree>
+      <p:nvGrpSpPr>
+        <p:cNvPr id="1" name=""/>
+        <p:cNvGrpSpPr/>
+        <p:nvPr/>
+      </p:nvGrpSpPr>
+      <p:grpSpPr>
+        <a:xfrm>
+          <a:off x="0" y="0"/>
+          <a:ext cx="0" cy="0"/>
+          <a:chOff x="0" y="0"/>
+          <a:chExt cx="0" cy="0"/>
+        </a:xfrm>
+      </p:grpSpPr>
+      <p:sp>
+        <p:nvSpPr>
+          <p:cNvPr id="2" name="제목 1">
+            <a:extLst>
+              <a:ext uri="{FF2B5EF4-FFF2-40B4-BE49-F238E27FC236}">
+                <a16:creationId xmlns:a16="http://schemas.microsoft.com/office/drawing/2014/main" id="{C885E347-05C6-4090-B0AF-117580E2552F}"/>
+              </a:ext>
+            </a:extLst>
+          </p:cNvPr>
+          <p:cNvSpPr>
+            <a:spLocks noGrp="1"/>
+          </p:cNvSpPr>
+          <p:nvPr>
+            <p:ph type="title"/>
+          </p:nvPr>
+        </p:nvSpPr>
+        <p:spPr/>
+        <p:txBody>
+          <a:bodyPr/>
+          <a:lstStyle/>
+          <a:p>
+            <a:r>
+              <a:rPr lang="ko-KR" altLang="en-US" dirty="0"/>
+              <a:t>끝</a:t>
+            </a:r>
+          </a:p>
+        </p:txBody>
+      </p:sp>
+      <p:sp>
+        <p:nvSpPr>
+          <p:cNvPr id="3" name="내용 개체 틀 2">
+            <a:extLst>
+              <a:ext uri="{FF2B5EF4-FFF2-40B4-BE49-F238E27FC236}">
+                <a16:creationId xmlns:a16="http://schemas.microsoft.com/office/drawing/2014/main" id="{D480D28D-E083-4AC4-8ED9-3565ACB54693}"/>
+              </a:ext>
+            </a:extLst>
+          </p:cNvPr>
+          <p:cNvSpPr>
+            <a:spLocks noGrp="1"/>
+          </p:cNvSpPr>
+          <p:nvPr>
+            <p:ph idx="1"/>
+          </p:nvPr>
+        </p:nvSpPr>
         <p:spPr>
           <a:xfrm>
-            <a:off x="5691673" y="1690688"/>
-            <a:ext cx="5877745" cy="4048690"/>
+            <a:off x="4154904" y="1825625"/>
+            <a:ext cx="7198895" cy="4351338"/>
           </a:xfrm>
-          <a:prstGeom prst="rect">
-            <a:avLst/>
-          </a:prstGeom>
         </p:spPr>
-      </p:pic>
-      <p:sp>
-        <p:nvSpPr>
-          <p:cNvPr id="8" name="제목 1">
-            <a:extLst>
-              <a:ext uri="{FF2B5EF4-FFF2-40B4-BE49-F238E27FC236}">
-                <a16:creationId xmlns:a16="http://schemas.microsoft.com/office/drawing/2014/main" id="{5127B1DB-62AC-4B76-928F-6DD34C5076BA}"/>
+        <p:txBody>
+          <a:bodyPr/>
+          <a:lstStyle/>
+          <a:p>
+            <a:endParaRPr lang="en-US" altLang="ko-KR" dirty="0"/>
+          </a:p>
+          <a:p>
+            <a:endParaRPr lang="en-US" altLang="ko-KR" dirty="0"/>
+          </a:p>
+        </p:txBody>
+      </p:sp>
+      <p:sp>
+        <p:nvSpPr>
+          <p:cNvPr id="4" name="제목 1">
+            <a:extLst>
+              <a:ext uri="{FF2B5EF4-FFF2-40B4-BE49-F238E27FC236}">
+                <a16:creationId xmlns:a16="http://schemas.microsoft.com/office/drawing/2014/main" id="{FAB38CEB-AFAA-4792-AF89-E7B884B10D89}"/>
               </a:ext>
             </a:extLst>
           </p:cNvPr>
@@ -6365,7 +6423,7 @@
         </p:nvSpPr>
         <p:spPr>
           <a:xfrm>
-            <a:off x="9946102" y="4968014"/>
+            <a:off x="1043473" y="1372475"/>
             <a:ext cx="4442927" cy="771364"/>
           </a:xfrm>
           <a:prstGeom prst="rect">
@@ -6398,7 +6456,7 @@
           <a:p>
             <a:r>
               <a:rPr lang="en-US" altLang="ko-KR" sz="2000" dirty="0"/>
-              <a:t>Dead Count: 00</a:t>
+              <a:t>=</a:t>
             </a:r>
             <a:endParaRPr lang="ko-KR" altLang="en-US" sz="2000" dirty="0"/>
           </a:p>
@@ -6406,10 +6464,10 @@
       </p:sp>
       <p:sp>
         <p:nvSpPr>
-          <p:cNvPr id="9" name="제목 1">
-            <a:extLst>
-              <a:ext uri="{FF2B5EF4-FFF2-40B4-BE49-F238E27FC236}">
-                <a16:creationId xmlns:a16="http://schemas.microsoft.com/office/drawing/2014/main" id="{1E0DEFCE-9824-4125-B30C-0198784F4FA9}"/>
+          <p:cNvPr id="6" name="제목 1">
+            <a:extLst>
+              <a:ext uri="{FF2B5EF4-FFF2-40B4-BE49-F238E27FC236}">
+                <a16:creationId xmlns:a16="http://schemas.microsoft.com/office/drawing/2014/main" id="{6AC5C8A1-4E4C-4F1A-8359-97D42D784837}"/>
               </a:ext>
             </a:extLst>
           </p:cNvPr>
@@ -6420,8 +6478,8 @@
         </p:nvSpPr>
         <p:spPr>
           <a:xfrm>
-            <a:off x="5282402" y="581169"/>
-            <a:ext cx="4442927" cy="771364"/>
+            <a:off x="1043473" y="2391924"/>
+            <a:ext cx="4442927" cy="3218739"/>
           </a:xfrm>
           <a:prstGeom prst="rect">
             <a:avLst/>
@@ -6451,10 +6509,9 @@
             </a:lvl1pPr>
           </a:lstStyle>
           <a:p>
-            <a:r>
-              <a:rPr lang="en-US" altLang="ko-KR" sz="2000" dirty="0"/>
-              <a:t>Stage: 00</a:t>
-            </a:r>
+            <a:endParaRPr lang="en-US" altLang="ko-KR" sz="2000" dirty="0"/>
+          </a:p>
+          <a:p>
             <a:endParaRPr lang="ko-KR" altLang="en-US" sz="2000" dirty="0"/>
           </a:p>
         </p:txBody>
@@ -6462,7 +6519,7 @@
     </p:spTree>
     <p:extLst>
       <p:ext uri="{BB962C8B-B14F-4D97-AF65-F5344CB8AC3E}">
-        <p14:creationId xmlns:p14="http://schemas.microsoft.com/office/powerpoint/2010/main" val="1656372192"/>
+        <p14:creationId xmlns:p14="http://schemas.microsoft.com/office/powerpoint/2010/main" val="1878372556"/>
       </p:ext>
     </p:extLst>
   </p:cSld>
